--- a/webinar/demos/bank/bank-marketing.pptx
+++ b/webinar/demos/bank/bank-marketing.pptx
@@ -3229,7 +3229,7 @@
             </a:pPr>
             <a:r>
               <a:rPr/>
-              <a:t>26</a:t>
+              <a:t>27</a:t>
             </a:r>
             <a:r>
               <a:rPr/>

--- a/webinar/demos/bank/bank-marketing.pptx
+++ b/webinar/demos/bank/bank-marketing.pptx
@@ -3229,7 +3229,7 @@
             </a:pPr>
             <a:r>
               <a:rPr/>
-              <a:t>27</a:t>
+              <a:t>28</a:t>
             </a:r>
             <a:r>
               <a:rPr/>
